--- a/slides/2021_03_05_Burapacheep.pptx
+++ b/slides/2021_03_05_Burapacheep.pptx
@@ -8,12 +8,10 @@
     <p:sldId id="256" r:id="rId2"/>
     <p:sldId id="257" r:id="rId3"/>
     <p:sldId id="264" r:id="rId4"/>
-    <p:sldId id="265" r:id="rId5"/>
-    <p:sldId id="258" r:id="rId6"/>
-    <p:sldId id="259" r:id="rId7"/>
-    <p:sldId id="260" r:id="rId8"/>
-    <p:sldId id="261" r:id="rId9"/>
-    <p:sldId id="262" r:id="rId10"/>
+    <p:sldId id="258" r:id="rId5"/>
+    <p:sldId id="261" r:id="rId6"/>
+    <p:sldId id="262" r:id="rId7"/>
+    <p:sldId id="263" r:id="rId8"/>
   </p:sldIdLst>
   <p:sldSz cx="12192000" cy="6858000"/>
   <p:notesSz cx="6858000" cy="9144000"/>
@@ -3399,7 +3397,7 @@
               <a:rPr lang="en-US" dirty="0">
                 <a:latin typeface="Helvetica" pitchFamily="2" charset="0"/>
               </a:rPr>
-              <a:t>2/19/2021</a:t>
+              <a:t>3/5/2021</a:t>
             </a:r>
           </a:p>
         </p:txBody>
@@ -3497,7 +3495,15 @@
               <a:rPr lang="en-US" dirty="0">
                 <a:latin typeface="Helvetica" pitchFamily="2" charset="0"/>
               </a:rPr>
-              <a:t>Friday: 1 hour</a:t>
+              <a:t>Thursday: 2 hour</a:t>
+            </a:r>
+          </a:p>
+          <a:p>
+            <a:r>
+              <a:rPr lang="en-US" dirty="0">
+                <a:latin typeface="Helvetica" pitchFamily="2" charset="0"/>
+              </a:rPr>
+              <a:t>Friday: 3 hour</a:t>
             </a:r>
           </a:p>
         </p:txBody>
@@ -3537,7 +3543,7 @@
           <p:cNvPr id="2" name="Title 1">
             <a:extLst>
               <a:ext uri="{FF2B5EF4-FFF2-40B4-BE49-F238E27FC236}">
-                <a16:creationId xmlns:a16="http://schemas.microsoft.com/office/drawing/2014/main" id="{2687023E-58E7-E342-8E04-4B68EA94DB7C}"/>
+                <a16:creationId xmlns:a16="http://schemas.microsoft.com/office/drawing/2014/main" id="{0199419A-8ECA-5044-914A-40623D6A6445}"/>
               </a:ext>
             </a:extLst>
           </p:cNvPr>
@@ -3557,7 +3563,7 @@
               <a:rPr lang="en-US" dirty="0">
                 <a:latin typeface="Helvetica" pitchFamily="2" charset="0"/>
               </a:rPr>
-              <a:t>QSAR and QSPR </a:t>
+              <a:t>Code</a:t>
             </a:r>
           </a:p>
         </p:txBody>
@@ -3567,7 +3573,7 @@
           <p:cNvPr id="3" name="Content Placeholder 2">
             <a:extLst>
               <a:ext uri="{FF2B5EF4-FFF2-40B4-BE49-F238E27FC236}">
-                <a16:creationId xmlns:a16="http://schemas.microsoft.com/office/drawing/2014/main" id="{323924A5-4CE0-6045-A294-BBD4E1EDB618}"/>
+                <a16:creationId xmlns:a16="http://schemas.microsoft.com/office/drawing/2014/main" id="{0C9676C3-CD3B-D547-B427-D5550C386DDB}"/>
               </a:ext>
             </a:extLst>
           </p:cNvPr>
@@ -3586,62 +3592,48 @@
           <a:lstStyle/>
           <a:p>
             <a:r>
+              <a:rPr lang="en-US" sz="2400" dirty="0" err="1">
+                <a:latin typeface="Helvetica" pitchFamily="2" charset="0"/>
+              </a:rPr>
+              <a:t>Github</a:t>
+            </a:r>
+            <a:r>
               <a:rPr lang="en-US" sz="2400" dirty="0">
                 <a:latin typeface="Helvetica" pitchFamily="2" charset="0"/>
               </a:rPr>
-              <a:t>QSAR: quantitative structure-activity relationship</a:t>
-            </a:r>
-          </a:p>
-          <a:p>
+              <a:t>: </a:t>
+            </a:r>
             <a:r>
               <a:rPr lang="en-US" sz="2400" dirty="0">
                 <a:latin typeface="Helvetica" pitchFamily="2" charset="0"/>
+                <a:hlinkClick r:id="rId2"/>
               </a:rPr>
-              <a:t>QSPR: quantitative structure-property relationship</a:t>
-            </a:r>
-          </a:p>
-          <a:p>
+              <a:t>https://</a:t>
+            </a:r>
+            <a:r>
+              <a:rPr lang="en-US" sz="2400" dirty="0" err="1">
+                <a:latin typeface="Helvetica" pitchFamily="2" charset="0"/>
+                <a:hlinkClick r:id="rId2"/>
+              </a:rPr>
+              <a:t>github.com</a:t>
+            </a:r>
+            <a:r>
+              <a:rPr lang="en-US" sz="2400" dirty="0">
+                <a:latin typeface="Helvetica" pitchFamily="2" charset="0"/>
+                <a:hlinkClick r:id="rId2"/>
+              </a:rPr>
+              <a:t>/Top34051/foundry-model</a:t>
+            </a:r>
             <a:endParaRPr lang="en-US" sz="2400" dirty="0">
               <a:latin typeface="Helvetica" pitchFamily="2" charset="0"/>
             </a:endParaRPr>
           </a:p>
-          <a:p>
-            <a:r>
-              <a:rPr lang="en-US" sz="2400" dirty="0">
-                <a:latin typeface="Helvetica" pitchFamily="2" charset="0"/>
-              </a:rPr>
-              <a:t>An attempt to predict some property from multiple descriptors (features) of the data</a:t>
-            </a:r>
-          </a:p>
-          <a:p>
-            <a:r>
-              <a:rPr lang="en-US" sz="2400" dirty="0">
-                <a:latin typeface="Helvetica" pitchFamily="2" charset="0"/>
-              </a:rPr>
-              <a:t>Can also be used to find importance (relation) of each descriptors to the predicting property</a:t>
-            </a:r>
-          </a:p>
-          <a:p>
-            <a:endParaRPr lang="en-US" sz="2400" dirty="0">
-              <a:latin typeface="Helvetica" pitchFamily="2" charset="0"/>
-            </a:endParaRPr>
-          </a:p>
-          <a:p>
-            <a:endParaRPr lang="en-US" sz="2400" dirty="0">
-              <a:latin typeface="Helvetica" pitchFamily="2" charset="0"/>
-            </a:endParaRPr>
-          </a:p>
-          <a:p>
-            <a:endParaRPr lang="en-US" sz="2400" dirty="0">
-              <a:latin typeface="Helvetica" pitchFamily="2" charset="0"/>
-            </a:endParaRPr>
-          </a:p>
         </p:txBody>
       </p:sp>
     </p:spTree>
     <p:extLst>
       <p:ext uri="{BB962C8B-B14F-4D97-AF65-F5344CB8AC3E}">
-        <p14:creationId xmlns:p14="http://schemas.microsoft.com/office/powerpoint/2010/main" val="952504352"/>
+        <p14:creationId xmlns:p14="http://schemas.microsoft.com/office/powerpoint/2010/main" val="482808934"/>
       </p:ext>
     </p:extLst>
   </p:cSld>
@@ -3668,12 +3660,41 @@
           <a:chExt cx="0" cy="0"/>
         </a:xfrm>
       </p:grpSpPr>
+      <p:pic>
+        <p:nvPicPr>
+          <p:cNvPr id="12" name="Picture 11" descr="Table&#10;&#10;Description automatically generated">
+            <a:extLst>
+              <a:ext uri="{FF2B5EF4-FFF2-40B4-BE49-F238E27FC236}">
+                <a16:creationId xmlns:a16="http://schemas.microsoft.com/office/drawing/2014/main" id="{1F24780A-B669-5A4F-8A30-16A80883227A}"/>
+              </a:ext>
+            </a:extLst>
+          </p:cNvPr>
+          <p:cNvPicPr>
+            <a:picLocks noChangeAspect="1"/>
+          </p:cNvPicPr>
+          <p:nvPr/>
+        </p:nvPicPr>
+        <p:blipFill rotWithShape="1">
+          <a:blip r:embed="rId2"/>
+          <a:srcRect l="27259"/>
+          <a:stretch/>
+        </p:blipFill>
+        <p:spPr>
+          <a:xfrm>
+            <a:off x="6185648" y="3635508"/>
+            <a:ext cx="4520175" cy="2334279"/>
+          </a:xfrm>
+          <a:prstGeom prst="rect">
+            <a:avLst/>
+          </a:prstGeom>
+        </p:spPr>
+      </p:pic>
       <p:sp>
         <p:nvSpPr>
           <p:cNvPr id="2" name="Title 1">
             <a:extLst>
               <a:ext uri="{FF2B5EF4-FFF2-40B4-BE49-F238E27FC236}">
-                <a16:creationId xmlns:a16="http://schemas.microsoft.com/office/drawing/2014/main" id="{2687023E-58E7-E342-8E04-4B68EA94DB7C}"/>
+                <a16:creationId xmlns:a16="http://schemas.microsoft.com/office/drawing/2014/main" id="{0199419A-8ECA-5044-914A-40623D6A6445}"/>
               </a:ext>
             </a:extLst>
           </p:cNvPr>
@@ -3693,7 +3714,7 @@
               <a:rPr lang="en-US" dirty="0">
                 <a:latin typeface="Helvetica" pitchFamily="2" charset="0"/>
               </a:rPr>
-              <a:t>QSAR and QSPR (cont.)</a:t>
+              <a:t>Data</a:t>
             </a:r>
           </a:p>
         </p:txBody>
@@ -3703,7 +3724,7 @@
           <p:cNvPr id="3" name="Content Placeholder 2">
             <a:extLst>
               <a:ext uri="{FF2B5EF4-FFF2-40B4-BE49-F238E27FC236}">
-                <a16:creationId xmlns:a16="http://schemas.microsoft.com/office/drawing/2014/main" id="{323924A5-4CE0-6045-A294-BBD4E1EDB618}"/>
+                <a16:creationId xmlns:a16="http://schemas.microsoft.com/office/drawing/2014/main" id="{0C9676C3-CD3B-D547-B427-D5550C386DDB}"/>
               </a:ext>
             </a:extLst>
           </p:cNvPr>
@@ -3725,77 +3746,98 @@
               <a:rPr lang="en-US" sz="2400" dirty="0">
                 <a:latin typeface="Helvetica" pitchFamily="2" charset="0"/>
               </a:rPr>
-              <a:t>We can view an input as a set of features (</a:t>
+              <a:t>Key-value-pair table </a:t>
+            </a:r>
+            <a:r>
+              <a:rPr lang="en-US" sz="2400" dirty="0">
+                <a:latin typeface="Helvetica" pitchFamily="2" charset="0"/>
+                <a:sym typeface="Wingdings" pitchFamily="2" charset="2"/>
+              </a:rPr>
+              <a:t> generate MACCS keys using </a:t>
+            </a:r>
+            <a:r>
+              <a:rPr lang="en-US" sz="2400" dirty="0" err="1">
+                <a:latin typeface="Helvetica" pitchFamily="2" charset="0"/>
+                <a:sym typeface="Wingdings" pitchFamily="2" charset="2"/>
+              </a:rPr>
+              <a:t>RDKit</a:t>
+            </a:r>
+            <a:endParaRPr lang="en-US" sz="2400" dirty="0">
+              <a:latin typeface="Helvetica" pitchFamily="2" charset="0"/>
+              <a:sym typeface="Wingdings" pitchFamily="2" charset="2"/>
+            </a:endParaRPr>
+          </a:p>
+          <a:p>
+            <a:r>
+              <a:rPr lang="en-US" sz="2400" dirty="0">
+                <a:latin typeface="Helvetica" pitchFamily="2" charset="0"/>
+              </a:rPr>
+              <a:t>Homo and </a:t>
             </a:r>
             <a:r>
               <a:rPr lang="en-US" sz="2400" dirty="0" err="1">
                 <a:latin typeface="Helvetica" pitchFamily="2" charset="0"/>
               </a:rPr>
-              <a:t>n</a:t>
-            </a:r>
-            <a:r>
-              <a:rPr lang="en-US" sz="2400" baseline="-25000" dirty="0" err="1">
-                <a:latin typeface="Helvetica" pitchFamily="2" charset="0"/>
-              </a:rPr>
-              <a:t>samples</a:t>
+              <a:t>lumo</a:t>
             </a:r>
             <a:r>
               <a:rPr lang="en-US" sz="2400" dirty="0">
                 <a:latin typeface="Helvetica" pitchFamily="2" charset="0"/>
               </a:rPr>
-              <a:t>, </a:t>
-            </a:r>
-            <a:r>
-              <a:rPr lang="en-US" sz="2400" dirty="0" err="1">
-                <a:latin typeface="Helvetica" pitchFamily="2" charset="0"/>
-              </a:rPr>
-              <a:t>n</a:t>
-            </a:r>
-            <a:r>
-              <a:rPr lang="en-US" sz="2400" baseline="-25000" dirty="0" err="1">
-                <a:latin typeface="Helvetica" pitchFamily="2" charset="0"/>
-              </a:rPr>
-              <a:t>features</a:t>
-            </a:r>
+              <a:t> values</a:t>
+            </a:r>
+          </a:p>
+          <a:p>
             <a:r>
               <a:rPr lang="en-US" sz="2400" dirty="0">
                 <a:latin typeface="Helvetica" pitchFamily="2" charset="0"/>
               </a:rPr>
-              <a:t>) and target values (</a:t>
-            </a:r>
-            <a:r>
-              <a:rPr lang="en-US" sz="2400" dirty="0" err="1">
-                <a:latin typeface="Helvetica" pitchFamily="2" charset="0"/>
-              </a:rPr>
-              <a:t>n</a:t>
-            </a:r>
-            <a:r>
-              <a:rPr lang="en-US" sz="2400" baseline="-25000" dirty="0" err="1">
-                <a:latin typeface="Helvetica" pitchFamily="2" charset="0"/>
-              </a:rPr>
-              <a:t>features</a:t>
-            </a:r>
-            <a:r>
+              <a:t>Using only ~5000 molecules (takes around 5 mins to process the data)</a:t>
+            </a:r>
+            <a:br>
               <a:rPr lang="en-US" sz="2400" dirty="0">
                 <a:latin typeface="Helvetica" pitchFamily="2" charset="0"/>
               </a:rPr>
-              <a:t>)</a:t>
-            </a:r>
-          </a:p>
-          <a:p>
-            <a:r>
-              <a:rPr lang="en-US" sz="2400" dirty="0">
-                <a:latin typeface="Helvetica" pitchFamily="2" charset="0"/>
-              </a:rPr>
-              <a:t>Then apply some ML to learn the relationship between the input and target.</a:t>
-            </a:r>
-          </a:p>
-        </p:txBody>
-      </p:sp>
+            </a:br>
+            <a:endParaRPr lang="en-US" sz="2400" dirty="0">
+              <a:latin typeface="Helvetica" pitchFamily="2" charset="0"/>
+            </a:endParaRPr>
+          </a:p>
+        </p:txBody>
+      </p:sp>
+      <p:pic>
+        <p:nvPicPr>
+          <p:cNvPr id="10" name="Picture 9" descr="Table&#10;&#10;Description automatically generated">
+            <a:extLst>
+              <a:ext uri="{FF2B5EF4-FFF2-40B4-BE49-F238E27FC236}">
+                <a16:creationId xmlns:a16="http://schemas.microsoft.com/office/drawing/2014/main" id="{3CCB0319-1104-6646-84DC-6B2B3A43128C}"/>
+              </a:ext>
+            </a:extLst>
+          </p:cNvPr>
+          <p:cNvPicPr>
+            <a:picLocks noChangeAspect="1"/>
+          </p:cNvPicPr>
+          <p:nvPr/>
+        </p:nvPicPr>
+        <p:blipFill rotWithShape="1">
+          <a:blip r:embed="rId3"/>
+          <a:srcRect r="57478"/>
+          <a:stretch/>
+        </p:blipFill>
+        <p:spPr>
+          <a:xfrm>
+            <a:off x="1445854" y="3707224"/>
+            <a:ext cx="4452922" cy="2156662"/>
+          </a:xfrm>
+          <a:prstGeom prst="rect">
+            <a:avLst/>
+          </a:prstGeom>
+        </p:spPr>
+      </p:pic>
     </p:spTree>
     <p:extLst>
       <p:ext uri="{BB962C8B-B14F-4D97-AF65-F5344CB8AC3E}">
-        <p14:creationId xmlns:p14="http://schemas.microsoft.com/office/powerpoint/2010/main" val="1970730346"/>
+        <p14:creationId xmlns:p14="http://schemas.microsoft.com/office/powerpoint/2010/main" val="955432171"/>
       </p:ext>
     </p:extLst>
   </p:cSld>
@@ -3847,7 +3889,7 @@
               <a:rPr lang="en-US" dirty="0">
                 <a:latin typeface="Helvetica" pitchFamily="2" charset="0"/>
               </a:rPr>
-              <a:t>Ridge regression</a:t>
+              <a:t>Model</a:t>
             </a:r>
           </a:p>
         </p:txBody>
@@ -3879,29 +3921,88 @@
               <a:rPr lang="en-US" sz="2400" dirty="0">
                 <a:latin typeface="Helvetica" pitchFamily="2" charset="0"/>
               </a:rPr>
-              <a:t>Similar to linear regression (least sum of squared difference)</a:t>
-            </a:r>
-          </a:p>
-          <a:p>
+              <a:t>KRR (kernel ridge regression) </a:t>
+            </a:r>
             <a:r>
               <a:rPr lang="en-US" sz="2400" dirty="0">
                 <a:latin typeface="Helvetica" pitchFamily="2" charset="0"/>
+                <a:sym typeface="Wingdings" pitchFamily="2" charset="2"/>
               </a:rPr>
-              <a:t>Improve overfitting (increase bias to improve variance)</a:t>
-            </a:r>
+              <a:t> </a:t>
+            </a:r>
+            <a:r>
+              <a:rPr lang="en-US" sz="2400" dirty="0" err="1">
+                <a:latin typeface="Helvetica" pitchFamily="2" charset="0"/>
+                <a:sym typeface="Wingdings" pitchFamily="2" charset="2"/>
+              </a:rPr>
+              <a:t>sklearn</a:t>
+            </a:r>
+            <a:endParaRPr lang="en-US" sz="2400" dirty="0">
+              <a:latin typeface="Helvetica" pitchFamily="2" charset="0"/>
+              <a:sym typeface="Wingdings" pitchFamily="2" charset="2"/>
+            </a:endParaRPr>
           </a:p>
           <a:p>
             <a:r>
               <a:rPr lang="en-US" sz="2400" dirty="0">
                 <a:latin typeface="Helvetica" pitchFamily="2" charset="0"/>
+                <a:sym typeface="Wingdings" pitchFamily="2" charset="2"/>
               </a:rPr>
-              <a:t>By penalize the weight (L2 regularization)</a:t>
-            </a:r>
-            <a:br>
+              <a:t>Random Forest  </a:t>
+            </a:r>
+            <a:r>
+              <a:rPr lang="en-US" sz="2400" dirty="0" err="1">
+                <a:latin typeface="Helvetica" pitchFamily="2" charset="0"/>
+                <a:sym typeface="Wingdings" pitchFamily="2" charset="2"/>
+              </a:rPr>
+              <a:t>sklearn</a:t>
+            </a:r>
+            <a:endParaRPr lang="en-US" sz="2400" dirty="0">
+              <a:latin typeface="Helvetica" pitchFamily="2" charset="0"/>
+              <a:sym typeface="Wingdings" pitchFamily="2" charset="2"/>
+            </a:endParaRPr>
+          </a:p>
+          <a:p>
+            <a:r>
+              <a:rPr lang="en-US" sz="2400" dirty="0" err="1">
+                <a:latin typeface="Helvetica" pitchFamily="2" charset="0"/>
+                <a:sym typeface="Wingdings" pitchFamily="2" charset="2"/>
+              </a:rPr>
+              <a:t>XGBoost</a:t>
+            </a:r>
+            <a:endParaRPr lang="en-US" sz="2400" dirty="0">
+              <a:latin typeface="Helvetica" pitchFamily="2" charset="0"/>
+              <a:sym typeface="Wingdings" pitchFamily="2" charset="2"/>
+            </a:endParaRPr>
+          </a:p>
+          <a:p>
+            <a:endParaRPr lang="en-US" sz="2400" dirty="0">
+              <a:latin typeface="Helvetica" pitchFamily="2" charset="0"/>
+              <a:sym typeface="Wingdings" pitchFamily="2" charset="2"/>
+            </a:endParaRPr>
+          </a:p>
+          <a:p>
+            <a:r>
               <a:rPr lang="en-US" sz="2400" dirty="0">
                 <a:latin typeface="Helvetica" pitchFamily="2" charset="0"/>
+                <a:sym typeface="Wingdings" pitchFamily="2" charset="2"/>
               </a:rPr>
-            </a:br>
+              <a:t>Train on the gap (</a:t>
+            </a:r>
+            <a:r>
+              <a:rPr lang="en-US" sz="2400" dirty="0" err="1">
+                <a:latin typeface="Helvetica" pitchFamily="2" charset="0"/>
+                <a:sym typeface="Wingdings" pitchFamily="2" charset="2"/>
+              </a:rPr>
+              <a:t>lumo</a:t>
+            </a:r>
+            <a:r>
+              <a:rPr lang="en-US" sz="2400" dirty="0">
+                <a:latin typeface="Helvetica" pitchFamily="2" charset="0"/>
+                <a:sym typeface="Wingdings" pitchFamily="2" charset="2"/>
+              </a:rPr>
+              <a:t> – homo) values</a:t>
+            </a:r>
             <a:br>
               <a:rPr lang="en-US" sz="2400" dirty="0">
                 <a:latin typeface="Helvetica" pitchFamily="2" charset="0"/>
@@ -3913,103 +4014,10 @@
           </a:p>
         </p:txBody>
       </p:sp>
-      <p:sp>
-        <p:nvSpPr>
-          <p:cNvPr id="4" name="Rounded Rectangle 3">
-            <a:extLst>
-              <a:ext uri="{FF2B5EF4-FFF2-40B4-BE49-F238E27FC236}">
-                <a16:creationId xmlns:a16="http://schemas.microsoft.com/office/drawing/2014/main" id="{B58DF3EC-8D52-4843-B2B6-3ABC3D6870B6}"/>
-              </a:ext>
-            </a:extLst>
-          </p:cNvPr>
-          <p:cNvSpPr/>
-          <p:nvPr/>
-        </p:nvSpPr>
-        <p:spPr>
-          <a:xfrm>
-            <a:off x="1696192" y="4001294"/>
-            <a:ext cx="8799616" cy="1638795"/>
-          </a:xfrm>
-          <a:prstGeom prst="roundRect">
-            <a:avLst/>
-          </a:prstGeom>
-          <a:solidFill>
-            <a:schemeClr val="accent1">
-              <a:lumMod val="40000"/>
-              <a:lumOff val="60000"/>
-            </a:schemeClr>
-          </a:solidFill>
-          <a:ln>
-            <a:noFill/>
-          </a:ln>
-        </p:spPr>
-        <p:style>
-          <a:lnRef idx="2">
-            <a:schemeClr val="accent1">
-              <a:shade val="50000"/>
-            </a:schemeClr>
-          </a:lnRef>
-          <a:fillRef idx="1">
-            <a:schemeClr val="accent1"/>
-          </a:fillRef>
-          <a:effectRef idx="0">
-            <a:schemeClr val="accent1"/>
-          </a:effectRef>
-          <a:fontRef idx="minor">
-            <a:schemeClr val="lt1"/>
-          </a:fontRef>
-        </p:style>
-        <p:txBody>
-          <a:bodyPr rtlCol="0" anchor="ctr"/>
-          <a:lstStyle/>
-          <a:p>
-            <a:pPr algn="ctr"/>
-            <a:r>
-              <a:rPr lang="en-US" sz="2800" dirty="0">
-                <a:solidFill>
-                  <a:schemeClr val="tx1"/>
-                </a:solidFill>
-                <a:latin typeface="Helvetica" pitchFamily="2" charset="0"/>
-              </a:rPr>
-              <a:t>Minimize </a:t>
-            </a:r>
-          </a:p>
-          <a:p>
-            <a:pPr algn="ctr"/>
-            <a:r>
-              <a:rPr lang="en-US" sz="2800" dirty="0">
-                <a:solidFill>
-                  <a:schemeClr val="tx1"/>
-                </a:solidFill>
-                <a:latin typeface="Helvetica" pitchFamily="2" charset="0"/>
-              </a:rPr>
-              <a:t>sum of squared difference + ⍺ ⋅ sum(weight</a:t>
-            </a:r>
-            <a:r>
-              <a:rPr lang="en-US" sz="2800" baseline="30000" dirty="0">
-                <a:solidFill>
-                  <a:schemeClr val="tx1"/>
-                </a:solidFill>
-                <a:latin typeface="Helvetica" pitchFamily="2" charset="0"/>
-              </a:rPr>
-              <a:t>2</a:t>
-            </a:r>
-            <a:r>
-              <a:rPr lang="en-US" sz="2800" dirty="0">
-                <a:solidFill>
-                  <a:schemeClr val="tx1"/>
-                </a:solidFill>
-                <a:latin typeface="Helvetica" pitchFamily="2" charset="0"/>
-              </a:rPr>
-              <a:t>) </a:t>
-            </a:r>
-          </a:p>
-        </p:txBody>
-      </p:sp>
     </p:spTree>
     <p:extLst>
       <p:ext uri="{BB962C8B-B14F-4D97-AF65-F5344CB8AC3E}">
-        <p14:creationId xmlns:p14="http://schemas.microsoft.com/office/powerpoint/2010/main" val="955432171"/>
+        <p14:creationId xmlns:p14="http://schemas.microsoft.com/office/powerpoint/2010/main" val="1234850382"/>
       </p:ext>
     </p:extLst>
   </p:cSld>
@@ -4036,12 +4044,42 @@
           <a:chExt cx="0" cy="0"/>
         </a:xfrm>
       </p:grpSpPr>
+      <p:pic>
+        <p:nvPicPr>
+          <p:cNvPr id="5" name="Picture 4" descr="Table&#10;&#10;Description automatically generated">
+            <a:extLst>
+              <a:ext uri="{FF2B5EF4-FFF2-40B4-BE49-F238E27FC236}">
+                <a16:creationId xmlns:a16="http://schemas.microsoft.com/office/drawing/2014/main" id="{CE6F9B4A-052B-C440-9CC4-2EFD39C46BCD}"/>
+              </a:ext>
+            </a:extLst>
+          </p:cNvPr>
+          <p:cNvPicPr>
+            <a:picLocks noChangeAspect="1"/>
+          </p:cNvPicPr>
+          <p:nvPr/>
+        </p:nvPicPr>
+        <p:blipFill>
+          <a:blip r:embed="rId2"/>
+          <a:stretch>
+            <a:fillRect/>
+          </a:stretch>
+        </p:blipFill>
+        <p:spPr>
+          <a:xfrm>
+            <a:off x="2111686" y="2886635"/>
+            <a:ext cx="7968628" cy="2689412"/>
+          </a:xfrm>
+          <a:prstGeom prst="rect">
+            <a:avLst/>
+          </a:prstGeom>
+        </p:spPr>
+      </p:pic>
       <p:sp>
         <p:nvSpPr>
           <p:cNvPr id="2" name="Title 1">
             <a:extLst>
               <a:ext uri="{FF2B5EF4-FFF2-40B4-BE49-F238E27FC236}">
-                <a16:creationId xmlns:a16="http://schemas.microsoft.com/office/drawing/2014/main" id="{B1542A25-75BD-8141-9343-C8A173255525}"/>
+                <a16:creationId xmlns:a16="http://schemas.microsoft.com/office/drawing/2014/main" id="{0199419A-8ECA-5044-914A-40623D6A6445}"/>
               </a:ext>
             </a:extLst>
           </p:cNvPr>
@@ -4061,7 +4099,7 @@
               <a:rPr lang="en-US" dirty="0">
                 <a:latin typeface="Helvetica" pitchFamily="2" charset="0"/>
               </a:rPr>
-              <a:t>Kernel ridge regression</a:t>
+              <a:t>Scores</a:t>
             </a:r>
           </a:p>
         </p:txBody>
@@ -4071,7 +4109,7 @@
           <p:cNvPr id="3" name="Content Placeholder 2">
             <a:extLst>
               <a:ext uri="{FF2B5EF4-FFF2-40B4-BE49-F238E27FC236}">
-                <a16:creationId xmlns:a16="http://schemas.microsoft.com/office/drawing/2014/main" id="{39715375-6D53-BC4C-9875-E733A2103A49}"/>
+                <a16:creationId xmlns:a16="http://schemas.microsoft.com/office/drawing/2014/main" id="{0C9676C3-CD3B-D547-B427-D5550C386DDB}"/>
               </a:ext>
             </a:extLst>
           </p:cNvPr>
@@ -4093,21 +4131,13 @@
               <a:rPr lang="en-US" sz="2400" dirty="0">
                 <a:latin typeface="Helvetica" pitchFamily="2" charset="0"/>
               </a:rPr>
-              <a:t>With the same idea as ridge regression</a:t>
-            </a:r>
-          </a:p>
-          <a:p>
-            <a:r>
-              <a:rPr lang="en-US" sz="2400" dirty="0">
+              <a:t>Evaluate using </a:t>
+            </a:r>
+            <a:r>
+              <a:rPr lang="en-US" sz="2400" dirty="0" err="1">
                 <a:latin typeface="Helvetica" pitchFamily="2" charset="0"/>
               </a:rPr>
-              <a:t>K(x</a:t>
-            </a:r>
-            <a:r>
-              <a:rPr lang="en-US" sz="2400" baseline="-25000" dirty="0">
-                <a:latin typeface="Helvetica" pitchFamily="2" charset="0"/>
-              </a:rPr>
-              <a:t>i</a:t>
+              <a:t>rmse</a:t>
             </a:r>
             <a:r>
               <a:rPr lang="en-US" sz="2400" dirty="0">
@@ -4119,39 +4149,13 @@
               <a:rPr lang="en-US" sz="2400" dirty="0" err="1">
                 <a:latin typeface="Helvetica" pitchFamily="2" charset="0"/>
               </a:rPr>
-              <a:t>x</a:t>
-            </a:r>
-            <a:r>
-              <a:rPr lang="en-US" sz="2400" baseline="-25000" dirty="0" err="1">
-                <a:latin typeface="Helvetica" pitchFamily="2" charset="0"/>
-              </a:rPr>
-              <a:t>j</a:t>
+              <a:t>mae</a:t>
             </a:r>
             <a:r>
               <a:rPr lang="en-US" sz="2400" dirty="0">
                 <a:latin typeface="Helvetica" pitchFamily="2" charset="0"/>
               </a:rPr>
-              <a:t>) define a distance between sample </a:t>
-            </a:r>
-            <a:r>
-              <a:rPr lang="en-US" sz="2400" dirty="0" err="1">
-                <a:latin typeface="Helvetica" pitchFamily="2" charset="0"/>
-              </a:rPr>
-              <a:t>i</a:t>
-            </a:r>
-            <a:r>
-              <a:rPr lang="en-US" sz="2400" dirty="0">
-                <a:latin typeface="Helvetica" pitchFamily="2" charset="0"/>
-              </a:rPr>
-              <a:t> and j</a:t>
-            </a:r>
-          </a:p>
-          <a:p>
-            <a:r>
-              <a:rPr lang="en-US" sz="2400" dirty="0">
-                <a:latin typeface="Helvetica" pitchFamily="2" charset="0"/>
-              </a:rPr>
-              <a:t>We want to minimize the sum of distances</a:t>
+              <a:t>, and r2 score</a:t>
             </a:r>
           </a:p>
           <a:p>
@@ -4159,14 +4163,19 @@
               <a:latin typeface="Helvetica" pitchFamily="2" charset="0"/>
             </a:endParaRPr>
           </a:p>
-        </p:txBody>
-      </p:sp>
-      <p:sp>
-        <p:nvSpPr>
-          <p:cNvPr id="5" name="Rounded Rectangle 4">
-            <a:extLst>
-              <a:ext uri="{FF2B5EF4-FFF2-40B4-BE49-F238E27FC236}">
-                <a16:creationId xmlns:a16="http://schemas.microsoft.com/office/drawing/2014/main" id="{FA00A89B-4501-7B49-8066-33265BB1CD68}"/>
+          <a:p>
+            <a:endParaRPr lang="en-US" sz="2400" dirty="0">
+              <a:latin typeface="Helvetica" pitchFamily="2" charset="0"/>
+            </a:endParaRPr>
+          </a:p>
+        </p:txBody>
+      </p:sp>
+      <p:sp>
+        <p:nvSpPr>
+          <p:cNvPr id="6" name="Rounded Rectangle 5">
+            <a:extLst>
+              <a:ext uri="{FF2B5EF4-FFF2-40B4-BE49-F238E27FC236}">
+                <a16:creationId xmlns:a16="http://schemas.microsoft.com/office/drawing/2014/main" id="{3E7DEE7E-2889-B343-BAF0-430CE70107CA}"/>
               </a:ext>
             </a:extLst>
           </p:cNvPr>
@@ -4175,20 +4184,17 @@
         </p:nvSpPr>
         <p:spPr>
           <a:xfrm>
-            <a:off x="1696192" y="4001294"/>
-            <a:ext cx="8799616" cy="1638795"/>
+            <a:off x="2241178" y="4858871"/>
+            <a:ext cx="7749490" cy="573741"/>
           </a:xfrm>
           <a:prstGeom prst="roundRect">
             <a:avLst/>
           </a:prstGeom>
-          <a:solidFill>
-            <a:schemeClr val="accent1">
-              <a:lumMod val="40000"/>
-              <a:lumOff val="60000"/>
-            </a:schemeClr>
-          </a:solidFill>
-          <a:ln>
-            <a:noFill/>
+          <a:noFill/>
+          <a:ln w="28575">
+            <a:solidFill>
+              <a:schemeClr val="accent1"/>
+            </a:solidFill>
           </a:ln>
         </p:spPr>
         <p:style>
@@ -4212,34 +4218,14 @@
           <a:lstStyle/>
           <a:p>
             <a:pPr algn="ctr"/>
-            <a:r>
-              <a:rPr lang="en-US" sz="2800" dirty="0">
-                <a:solidFill>
-                  <a:schemeClr val="tx1"/>
-                </a:solidFill>
-                <a:latin typeface="Helvetica" pitchFamily="2" charset="0"/>
-              </a:rPr>
-              <a:t>With higher dimensionality of K, </a:t>
-            </a:r>
-          </a:p>
-          <a:p>
-            <a:pPr algn="ctr"/>
-            <a:r>
-              <a:rPr lang="en-US" sz="2800" dirty="0">
-                <a:solidFill>
-                  <a:schemeClr val="tx1"/>
-                </a:solidFill>
-                <a:latin typeface="Helvetica" pitchFamily="2" charset="0"/>
-              </a:rPr>
-              <a:t>we can enforce non-linear mapping.</a:t>
-            </a:r>
+            <a:endParaRPr lang="en-US"/>
           </a:p>
         </p:txBody>
       </p:sp>
     </p:spTree>
     <p:extLst>
       <p:ext uri="{BB962C8B-B14F-4D97-AF65-F5344CB8AC3E}">
-        <p14:creationId xmlns:p14="http://schemas.microsoft.com/office/powerpoint/2010/main" val="2373174917"/>
+        <p14:creationId xmlns:p14="http://schemas.microsoft.com/office/powerpoint/2010/main" val="647863122"/>
       </p:ext>
     </p:extLst>
   </p:cSld>
@@ -4271,7 +4257,7 @@
           <p:cNvPr id="2" name="Title 1">
             <a:extLst>
               <a:ext uri="{FF2B5EF4-FFF2-40B4-BE49-F238E27FC236}">
-                <a16:creationId xmlns:a16="http://schemas.microsoft.com/office/drawing/2014/main" id="{B1542A25-75BD-8141-9343-C8A173255525}"/>
+                <a16:creationId xmlns:a16="http://schemas.microsoft.com/office/drawing/2014/main" id="{0199419A-8ECA-5044-914A-40623D6A6445}"/>
               </a:ext>
             </a:extLst>
           </p:cNvPr>
@@ -4291,7 +4277,7 @@
               <a:rPr lang="en-US" dirty="0">
                 <a:latin typeface="Helvetica" pitchFamily="2" charset="0"/>
               </a:rPr>
-              <a:t>Kernel ridge regression (cont.)</a:t>
+              <a:t>Conclusion</a:t>
             </a:r>
           </a:p>
         </p:txBody>
@@ -4301,7 +4287,7 @@
           <p:cNvPr id="3" name="Content Placeholder 2">
             <a:extLst>
               <a:ext uri="{FF2B5EF4-FFF2-40B4-BE49-F238E27FC236}">
-                <a16:creationId xmlns:a16="http://schemas.microsoft.com/office/drawing/2014/main" id="{39715375-6D53-BC4C-9875-E733A2103A49}"/>
+                <a16:creationId xmlns:a16="http://schemas.microsoft.com/office/drawing/2014/main" id="{0C9676C3-CD3B-D547-B427-D5550C386DDB}"/>
               </a:ext>
             </a:extLst>
           </p:cNvPr>
@@ -4320,16 +4306,22 @@
           <a:lstStyle/>
           <a:p>
             <a:r>
+              <a:rPr lang="en-US" sz="2400" dirty="0">
+                <a:latin typeface="Helvetica" pitchFamily="2" charset="0"/>
+              </a:rPr>
+              <a:t>Random forest and </a:t>
+            </a:r>
+            <a:r>
               <a:rPr lang="en-US" sz="2400" dirty="0" err="1">
                 <a:latin typeface="Helvetica" pitchFamily="2" charset="0"/>
               </a:rPr>
-              <a:t>Sklearn</a:t>
+              <a:t>XGBoost</a:t>
             </a:r>
             <a:r>
               <a:rPr lang="en-US" sz="2400" dirty="0">
                 <a:latin typeface="Helvetica" pitchFamily="2" charset="0"/>
               </a:rPr>
-              <a:t> have already implemented a kernel ridge regression for us.</a:t>
+              <a:t> currently work significantly better than KRR</a:t>
             </a:r>
           </a:p>
           <a:p>
@@ -4337,474 +4329,15 @@
               <a:rPr lang="en-US" sz="2400" dirty="0">
                 <a:latin typeface="Helvetica" pitchFamily="2" charset="0"/>
               </a:rPr>
-              <a:t>Like traditional regression kernel ridge takes data X and target y</a:t>
-            </a:r>
-          </a:p>
-          <a:p>
-            <a:endParaRPr lang="en-US" sz="2400" dirty="0">
-              <a:latin typeface="Helvetica" pitchFamily="2" charset="0"/>
-            </a:endParaRPr>
-          </a:p>
-          <a:p>
-            <a:r>
-              <a:rPr lang="en-US" sz="2400" dirty="0">
-                <a:latin typeface="Helvetica" pitchFamily="2" charset="0"/>
-              </a:rPr>
-              <a:t>X: training data (</a:t>
-            </a:r>
-            <a:r>
-              <a:rPr lang="en-US" sz="2400" dirty="0" err="1">
-                <a:latin typeface="Helvetica" pitchFamily="2" charset="0"/>
-              </a:rPr>
-              <a:t>n</a:t>
-            </a:r>
-            <a:r>
-              <a:rPr lang="en-US" sz="2400" baseline="-25000" dirty="0" err="1">
-                <a:latin typeface="Helvetica" pitchFamily="2" charset="0"/>
-              </a:rPr>
-              <a:t>sample</a:t>
-            </a:r>
-            <a:r>
-              <a:rPr lang="en-US" sz="2400" dirty="0">
-                <a:latin typeface="Helvetica" pitchFamily="2" charset="0"/>
-              </a:rPr>
-              <a:t>, </a:t>
-            </a:r>
-            <a:r>
-              <a:rPr lang="en-US" sz="2400" dirty="0" err="1">
-                <a:latin typeface="Helvetica" pitchFamily="2" charset="0"/>
-              </a:rPr>
-              <a:t>n</a:t>
-            </a:r>
-            <a:r>
-              <a:rPr lang="en-US" sz="2400" baseline="-25000" dirty="0" err="1">
-                <a:latin typeface="Helvetica" pitchFamily="2" charset="0"/>
-              </a:rPr>
-              <a:t>features</a:t>
-            </a:r>
-            <a:r>
-              <a:rPr lang="en-US" sz="2400" dirty="0">
-                <a:latin typeface="Helvetica" pitchFamily="2" charset="0"/>
-              </a:rPr>
-              <a:t>)</a:t>
-            </a:r>
-          </a:p>
-          <a:p>
-            <a:r>
-              <a:rPr lang="en-US" sz="2400" dirty="0">
-                <a:latin typeface="Helvetica" pitchFamily="2" charset="0"/>
-              </a:rPr>
-              <a:t>y: target values (, </a:t>
-            </a:r>
-            <a:r>
-              <a:rPr lang="en-US" sz="2400" dirty="0" err="1">
-                <a:latin typeface="Helvetica" pitchFamily="2" charset="0"/>
-              </a:rPr>
-              <a:t>n</a:t>
-            </a:r>
-            <a:r>
-              <a:rPr lang="en-US" sz="2400" baseline="-25000" dirty="0" err="1">
-                <a:latin typeface="Helvetica" pitchFamily="2" charset="0"/>
-              </a:rPr>
-              <a:t>features</a:t>
-            </a:r>
-            <a:r>
-              <a:rPr lang="en-US" sz="2400" dirty="0">
-                <a:latin typeface="Helvetica" pitchFamily="2" charset="0"/>
-              </a:rPr>
-              <a:t>)</a:t>
-            </a:r>
-          </a:p>
-          <a:p>
-            <a:endParaRPr lang="en-US" sz="2400" dirty="0">
-              <a:latin typeface="Helvetica" pitchFamily="2" charset="0"/>
-            </a:endParaRPr>
-          </a:p>
-          <a:p>
-            <a:endParaRPr lang="en-US" sz="2400" dirty="0">
-              <a:latin typeface="Helvetica" pitchFamily="2" charset="0"/>
-            </a:endParaRPr>
+              <a:t>Hyperparameter tuning should be used if we want to work with KRR</a:t>
+            </a:r>
           </a:p>
         </p:txBody>
       </p:sp>
     </p:spTree>
     <p:extLst>
       <p:ext uri="{BB962C8B-B14F-4D97-AF65-F5344CB8AC3E}">
-        <p14:creationId xmlns:p14="http://schemas.microsoft.com/office/powerpoint/2010/main" val="197023597"/>
-      </p:ext>
-    </p:extLst>
-  </p:cSld>
-  <p:clrMapOvr>
-    <a:masterClrMapping/>
-  </p:clrMapOvr>
-</p:sld>
-</file>
-
-<file path=ppt/slides/slide8.xml><?xml version="1.0" encoding="utf-8"?>
-<p:sld xmlns:a="http://schemas.openxmlformats.org/drawingml/2006/main" xmlns:r="http://schemas.openxmlformats.org/officeDocument/2006/relationships" xmlns:p="http://schemas.openxmlformats.org/presentationml/2006/main">
-  <p:cSld>
-    <p:spTree>
-      <p:nvGrpSpPr>
-        <p:cNvPr id="1" name=""/>
-        <p:cNvGrpSpPr/>
-        <p:nvPr/>
-      </p:nvGrpSpPr>
-      <p:grpSpPr>
-        <a:xfrm>
-          <a:off x="0" y="0"/>
-          <a:ext cx="0" cy="0"/>
-          <a:chOff x="0" y="0"/>
-          <a:chExt cx="0" cy="0"/>
-        </a:xfrm>
-      </p:grpSpPr>
-      <p:sp>
-        <p:nvSpPr>
-          <p:cNvPr id="2" name="Title 1">
-            <a:extLst>
-              <a:ext uri="{FF2B5EF4-FFF2-40B4-BE49-F238E27FC236}">
-                <a16:creationId xmlns:a16="http://schemas.microsoft.com/office/drawing/2014/main" id="{2687023E-58E7-E342-8E04-4B68EA94DB7C}"/>
-              </a:ext>
-            </a:extLst>
-          </p:cNvPr>
-          <p:cNvSpPr>
-            <a:spLocks noGrp="1"/>
-          </p:cNvSpPr>
-          <p:nvPr>
-            <p:ph type="title"/>
-          </p:nvPr>
-        </p:nvSpPr>
-        <p:spPr/>
-        <p:txBody>
-          <a:bodyPr/>
-          <a:lstStyle/>
-          <a:p>
-            <a:r>
-              <a:rPr lang="en-US" dirty="0">
-                <a:latin typeface="Helvetica" pitchFamily="2" charset="0"/>
-              </a:rPr>
-              <a:t>Random forest regressor</a:t>
-            </a:r>
-          </a:p>
-        </p:txBody>
-      </p:sp>
-      <p:sp>
-        <p:nvSpPr>
-          <p:cNvPr id="3" name="Content Placeholder 2">
-            <a:extLst>
-              <a:ext uri="{FF2B5EF4-FFF2-40B4-BE49-F238E27FC236}">
-                <a16:creationId xmlns:a16="http://schemas.microsoft.com/office/drawing/2014/main" id="{323924A5-4CE0-6045-A294-BBD4E1EDB618}"/>
-              </a:ext>
-            </a:extLst>
-          </p:cNvPr>
-          <p:cNvSpPr>
-            <a:spLocks noGrp="1"/>
-          </p:cNvSpPr>
-          <p:nvPr>
-            <p:ph idx="1"/>
-          </p:nvPr>
-        </p:nvSpPr>
-        <p:spPr/>
-        <p:txBody>
-          <a:bodyPr>
-            <a:normAutofit/>
-          </a:bodyPr>
-          <a:lstStyle/>
-          <a:p>
-            <a:r>
-              <a:rPr lang="en-US" sz="2400" dirty="0">
-                <a:latin typeface="Helvetica" pitchFamily="2" charset="0"/>
-              </a:rPr>
-              <a:t>Train multiple decision trees to make one prediction</a:t>
-            </a:r>
-          </a:p>
-          <a:p>
-            <a:r>
-              <a:rPr lang="en-US" sz="2400" dirty="0" err="1">
-                <a:latin typeface="Helvetica" pitchFamily="2" charset="0"/>
-              </a:rPr>
-              <a:t>Sklearn</a:t>
-            </a:r>
-            <a:r>
-              <a:rPr lang="en-US" sz="2400" dirty="0">
-                <a:latin typeface="Helvetica" pitchFamily="2" charset="0"/>
-              </a:rPr>
-              <a:t> also have implemented this</a:t>
-            </a:r>
-          </a:p>
-          <a:p>
-            <a:pPr marL="0" indent="0">
-              <a:buNone/>
-            </a:pPr>
-            <a:endParaRPr lang="en-US" sz="2400" dirty="0">
-              <a:latin typeface="Helvetica" pitchFamily="2" charset="0"/>
-            </a:endParaRPr>
-          </a:p>
-        </p:txBody>
-      </p:sp>
-      <p:sp>
-        <p:nvSpPr>
-          <p:cNvPr id="4" name="Rounded Rectangle 3">
-            <a:extLst>
-              <a:ext uri="{FF2B5EF4-FFF2-40B4-BE49-F238E27FC236}">
-                <a16:creationId xmlns:a16="http://schemas.microsoft.com/office/drawing/2014/main" id="{F24CBE3E-30EE-E242-9011-5C5FD05A7176}"/>
-              </a:ext>
-            </a:extLst>
-          </p:cNvPr>
-          <p:cNvSpPr/>
-          <p:nvPr/>
-        </p:nvSpPr>
-        <p:spPr>
-          <a:xfrm>
-            <a:off x="1696192" y="4001294"/>
-            <a:ext cx="8799616" cy="1638795"/>
-          </a:xfrm>
-          <a:prstGeom prst="roundRect">
-            <a:avLst/>
-          </a:prstGeom>
-          <a:solidFill>
-            <a:schemeClr val="accent1">
-              <a:lumMod val="40000"/>
-              <a:lumOff val="60000"/>
-            </a:schemeClr>
-          </a:solidFill>
-          <a:ln>
-            <a:noFill/>
-          </a:ln>
-        </p:spPr>
-        <p:style>
-          <a:lnRef idx="2">
-            <a:schemeClr val="accent1">
-              <a:shade val="50000"/>
-            </a:schemeClr>
-          </a:lnRef>
-          <a:fillRef idx="1">
-            <a:schemeClr val="accent1"/>
-          </a:fillRef>
-          <a:effectRef idx="0">
-            <a:schemeClr val="accent1"/>
-          </a:effectRef>
-          <a:fontRef idx="minor">
-            <a:schemeClr val="lt1"/>
-          </a:fontRef>
-        </p:style>
-        <p:txBody>
-          <a:bodyPr rtlCol="0" anchor="ctr"/>
-          <a:lstStyle/>
-          <a:p>
-            <a:pPr algn="ctr"/>
-            <a:r>
-              <a:rPr lang="en-US" sz="2800" dirty="0">
-                <a:solidFill>
-                  <a:schemeClr val="tx1"/>
-                </a:solidFill>
-                <a:latin typeface="Helvetica" pitchFamily="2" charset="0"/>
-              </a:rPr>
-              <a:t>Each decision trees are given a random set of features</a:t>
-            </a:r>
-          </a:p>
-        </p:txBody>
-      </p:sp>
-    </p:spTree>
-    <p:extLst>
-      <p:ext uri="{BB962C8B-B14F-4D97-AF65-F5344CB8AC3E}">
-        <p14:creationId xmlns:p14="http://schemas.microsoft.com/office/powerpoint/2010/main" val="2632358405"/>
-      </p:ext>
-    </p:extLst>
-  </p:cSld>
-  <p:clrMapOvr>
-    <a:masterClrMapping/>
-  </p:clrMapOvr>
-</p:sld>
-</file>
-
-<file path=ppt/slides/slide9.xml><?xml version="1.0" encoding="utf-8"?>
-<p:sld xmlns:a="http://schemas.openxmlformats.org/drawingml/2006/main" xmlns:r="http://schemas.openxmlformats.org/officeDocument/2006/relationships" xmlns:p="http://schemas.openxmlformats.org/presentationml/2006/main">
-  <p:cSld>
-    <p:spTree>
-      <p:nvGrpSpPr>
-        <p:cNvPr id="1" name=""/>
-        <p:cNvGrpSpPr/>
-        <p:nvPr/>
-      </p:nvGrpSpPr>
-      <p:grpSpPr>
-        <a:xfrm>
-          <a:off x="0" y="0"/>
-          <a:ext cx="0" cy="0"/>
-          <a:chOff x="0" y="0"/>
-          <a:chExt cx="0" cy="0"/>
-        </a:xfrm>
-      </p:grpSpPr>
-      <p:sp>
-        <p:nvSpPr>
-          <p:cNvPr id="2" name="Title 1">
-            <a:extLst>
-              <a:ext uri="{FF2B5EF4-FFF2-40B4-BE49-F238E27FC236}">
-                <a16:creationId xmlns:a16="http://schemas.microsoft.com/office/drawing/2014/main" id="{2687023E-58E7-E342-8E04-4B68EA94DB7C}"/>
-              </a:ext>
-            </a:extLst>
-          </p:cNvPr>
-          <p:cNvSpPr>
-            <a:spLocks noGrp="1"/>
-          </p:cNvSpPr>
-          <p:nvPr>
-            <p:ph type="title"/>
-          </p:nvPr>
-        </p:nvSpPr>
-        <p:spPr/>
-        <p:txBody>
-          <a:bodyPr/>
-          <a:lstStyle/>
-          <a:p>
-            <a:r>
-              <a:rPr lang="en-US" dirty="0" err="1">
-                <a:latin typeface="Helvetica" pitchFamily="2" charset="0"/>
-              </a:rPr>
-              <a:t>XGBoost</a:t>
-            </a:r>
-            <a:r>
-              <a:rPr lang="en-US" dirty="0">
-                <a:latin typeface="Helvetica" pitchFamily="2" charset="0"/>
-              </a:rPr>
-              <a:t> </a:t>
-            </a:r>
-          </a:p>
-        </p:txBody>
-      </p:sp>
-      <p:sp>
-        <p:nvSpPr>
-          <p:cNvPr id="3" name="Content Placeholder 2">
-            <a:extLst>
-              <a:ext uri="{FF2B5EF4-FFF2-40B4-BE49-F238E27FC236}">
-                <a16:creationId xmlns:a16="http://schemas.microsoft.com/office/drawing/2014/main" id="{323924A5-4CE0-6045-A294-BBD4E1EDB618}"/>
-              </a:ext>
-            </a:extLst>
-          </p:cNvPr>
-          <p:cNvSpPr>
-            <a:spLocks noGrp="1"/>
-          </p:cNvSpPr>
-          <p:nvPr>
-            <p:ph idx="1"/>
-          </p:nvPr>
-        </p:nvSpPr>
-        <p:spPr/>
-        <p:txBody>
-          <a:bodyPr>
-            <a:normAutofit/>
-          </a:bodyPr>
-          <a:lstStyle/>
-          <a:p>
-            <a:r>
-              <a:rPr lang="en-US" sz="2400" dirty="0">
-                <a:latin typeface="Helvetica" pitchFamily="2" charset="0"/>
-              </a:rPr>
-              <a:t>Another popular forest model</a:t>
-            </a:r>
-          </a:p>
-          <a:p>
-            <a:r>
-              <a:rPr lang="en-US" sz="2400" dirty="0">
-                <a:latin typeface="Helvetica" pitchFamily="2" charset="0"/>
-              </a:rPr>
-              <a:t>Idea: Bagging, Boosting, and Stacking</a:t>
-            </a:r>
-          </a:p>
-          <a:p>
-            <a:r>
-              <a:rPr lang="en-US" sz="2400" dirty="0">
-                <a:latin typeface="Helvetica" pitchFamily="2" charset="0"/>
-              </a:rPr>
-              <a:t>Regularization</a:t>
-            </a:r>
-          </a:p>
-          <a:p>
-            <a:pPr marL="0" indent="0">
-              <a:buNone/>
-            </a:pPr>
-            <a:endParaRPr lang="en-US" sz="2400" dirty="0">
-              <a:latin typeface="Helvetica" pitchFamily="2" charset="0"/>
-            </a:endParaRPr>
-          </a:p>
-        </p:txBody>
-      </p:sp>
-      <p:sp>
-        <p:nvSpPr>
-          <p:cNvPr id="4" name="Rounded Rectangle 3">
-            <a:extLst>
-              <a:ext uri="{FF2B5EF4-FFF2-40B4-BE49-F238E27FC236}">
-                <a16:creationId xmlns:a16="http://schemas.microsoft.com/office/drawing/2014/main" id="{F24CBE3E-30EE-E242-9011-5C5FD05A7176}"/>
-              </a:ext>
-            </a:extLst>
-          </p:cNvPr>
-          <p:cNvSpPr/>
-          <p:nvPr/>
-        </p:nvSpPr>
-        <p:spPr>
-          <a:xfrm>
-            <a:off x="1696192" y="4001294"/>
-            <a:ext cx="8799616" cy="1638795"/>
-          </a:xfrm>
-          <a:prstGeom prst="roundRect">
-            <a:avLst/>
-          </a:prstGeom>
-          <a:solidFill>
-            <a:schemeClr val="accent1">
-              <a:lumMod val="40000"/>
-              <a:lumOff val="60000"/>
-            </a:schemeClr>
-          </a:solidFill>
-          <a:ln>
-            <a:noFill/>
-          </a:ln>
-        </p:spPr>
-        <p:style>
-          <a:lnRef idx="2">
-            <a:schemeClr val="accent1">
-              <a:shade val="50000"/>
-            </a:schemeClr>
-          </a:lnRef>
-          <a:fillRef idx="1">
-            <a:schemeClr val="accent1"/>
-          </a:fillRef>
-          <a:effectRef idx="0">
-            <a:schemeClr val="accent1"/>
-          </a:effectRef>
-          <a:fontRef idx="minor">
-            <a:schemeClr val="lt1"/>
-          </a:fontRef>
-        </p:style>
-        <p:txBody>
-          <a:bodyPr rtlCol="0" anchor="ctr"/>
-          <a:lstStyle/>
-          <a:p>
-            <a:pPr algn="ctr"/>
-            <a:r>
-              <a:rPr lang="en-US" sz="2800" dirty="0">
-                <a:solidFill>
-                  <a:schemeClr val="tx1"/>
-                </a:solidFill>
-                <a:latin typeface="Helvetica" pitchFamily="2" charset="0"/>
-              </a:rPr>
-              <a:t>Using multiple trees but each also learn </a:t>
-            </a:r>
-          </a:p>
-          <a:p>
-            <a:pPr algn="ctr"/>
-            <a:r>
-              <a:rPr lang="en-US" sz="2800" dirty="0">
-                <a:solidFill>
-                  <a:schemeClr val="tx1"/>
-                </a:solidFill>
-                <a:latin typeface="Helvetica" pitchFamily="2" charset="0"/>
-              </a:rPr>
-              <a:t>from the error of the previous one</a:t>
-            </a:r>
-          </a:p>
-        </p:txBody>
-      </p:sp>
-    </p:spTree>
-    <p:extLst>
-      <p:ext uri="{BB962C8B-B14F-4D97-AF65-F5344CB8AC3E}">
-        <p14:creationId xmlns:p14="http://schemas.microsoft.com/office/powerpoint/2010/main" val="1251094792"/>
+        <p14:creationId xmlns:p14="http://schemas.microsoft.com/office/powerpoint/2010/main" val="3641498725"/>
       </p:ext>
     </p:extLst>
   </p:cSld>

--- a/slides/2021_03_05_Burapacheep.pptx
+++ b/slides/2021_03_05_Burapacheep.pptx
@@ -265,7 +265,7 @@
           <a:p>
             <a:fld id="{198DD23B-43E5-0848-BBCB-C038E54BF6C8}" type="datetimeFigureOut">
               <a:rPr lang="en-US" smtClean="0"/>
-              <a:t>3/5/21</a:t>
+              <a:t>3/6/21</a:t>
             </a:fld>
             <a:endParaRPr lang="en-US"/>
           </a:p>
@@ -463,7 +463,7 @@
           <a:p>
             <a:fld id="{198DD23B-43E5-0848-BBCB-C038E54BF6C8}" type="datetimeFigureOut">
               <a:rPr lang="en-US" smtClean="0"/>
-              <a:t>3/5/21</a:t>
+              <a:t>3/6/21</a:t>
             </a:fld>
             <a:endParaRPr lang="en-US"/>
           </a:p>
@@ -671,7 +671,7 @@
           <a:p>
             <a:fld id="{198DD23B-43E5-0848-BBCB-C038E54BF6C8}" type="datetimeFigureOut">
               <a:rPr lang="en-US" smtClean="0"/>
-              <a:t>3/5/21</a:t>
+              <a:t>3/6/21</a:t>
             </a:fld>
             <a:endParaRPr lang="en-US"/>
           </a:p>
@@ -869,7 +869,7 @@
           <a:p>
             <a:fld id="{198DD23B-43E5-0848-BBCB-C038E54BF6C8}" type="datetimeFigureOut">
               <a:rPr lang="en-US" smtClean="0"/>
-              <a:t>3/5/21</a:t>
+              <a:t>3/6/21</a:t>
             </a:fld>
             <a:endParaRPr lang="en-US"/>
           </a:p>
@@ -1144,7 +1144,7 @@
           <a:p>
             <a:fld id="{198DD23B-43E5-0848-BBCB-C038E54BF6C8}" type="datetimeFigureOut">
               <a:rPr lang="en-US" smtClean="0"/>
-              <a:t>3/5/21</a:t>
+              <a:t>3/6/21</a:t>
             </a:fld>
             <a:endParaRPr lang="en-US"/>
           </a:p>
@@ -1409,7 +1409,7 @@
           <a:p>
             <a:fld id="{198DD23B-43E5-0848-BBCB-C038E54BF6C8}" type="datetimeFigureOut">
               <a:rPr lang="en-US" smtClean="0"/>
-              <a:t>3/5/21</a:t>
+              <a:t>3/6/21</a:t>
             </a:fld>
             <a:endParaRPr lang="en-US"/>
           </a:p>
@@ -1821,7 +1821,7 @@
           <a:p>
             <a:fld id="{198DD23B-43E5-0848-BBCB-C038E54BF6C8}" type="datetimeFigureOut">
               <a:rPr lang="en-US" smtClean="0"/>
-              <a:t>3/5/21</a:t>
+              <a:t>3/6/21</a:t>
             </a:fld>
             <a:endParaRPr lang="en-US"/>
           </a:p>
@@ -1962,7 +1962,7 @@
           <a:p>
             <a:fld id="{198DD23B-43E5-0848-BBCB-C038E54BF6C8}" type="datetimeFigureOut">
               <a:rPr lang="en-US" smtClean="0"/>
-              <a:t>3/5/21</a:t>
+              <a:t>3/6/21</a:t>
             </a:fld>
             <a:endParaRPr lang="en-US"/>
           </a:p>
@@ -2075,7 +2075,7 @@
           <a:p>
             <a:fld id="{198DD23B-43E5-0848-BBCB-C038E54BF6C8}" type="datetimeFigureOut">
               <a:rPr lang="en-US" smtClean="0"/>
-              <a:t>3/5/21</a:t>
+              <a:t>3/6/21</a:t>
             </a:fld>
             <a:endParaRPr lang="en-US"/>
           </a:p>
@@ -2386,7 +2386,7 @@
           <a:p>
             <a:fld id="{198DD23B-43E5-0848-BBCB-C038E54BF6C8}" type="datetimeFigureOut">
               <a:rPr lang="en-US" smtClean="0"/>
-              <a:t>3/5/21</a:t>
+              <a:t>3/6/21</a:t>
             </a:fld>
             <a:endParaRPr lang="en-US"/>
           </a:p>
@@ -2674,7 +2674,7 @@
           <a:p>
             <a:fld id="{198DD23B-43E5-0848-BBCB-C038E54BF6C8}" type="datetimeFigureOut">
               <a:rPr lang="en-US" smtClean="0"/>
-              <a:t>3/5/21</a:t>
+              <a:t>3/6/21</a:t>
             </a:fld>
             <a:endParaRPr lang="en-US"/>
           </a:p>
@@ -2915,7 +2915,7 @@
           <a:p>
             <a:fld id="{198DD23B-43E5-0848-BBCB-C038E54BF6C8}" type="datetimeFigureOut">
               <a:rPr lang="en-US" smtClean="0"/>
-              <a:t>3/5/21</a:t>
+              <a:t>3/6/21</a:t>
             </a:fld>
             <a:endParaRPr lang="en-US"/>
           </a:p>
@@ -4030,6 +4030,14 @@
 <file path=ppt/slides/slide6.xml><?xml version="1.0" encoding="utf-8"?>
 <p:sld xmlns:a="http://schemas.openxmlformats.org/drawingml/2006/main" xmlns:r="http://schemas.openxmlformats.org/officeDocument/2006/relationships" xmlns:p="http://schemas.openxmlformats.org/presentationml/2006/main">
   <p:cSld>
+    <p:bg>
+      <p:bgPr>
+        <a:solidFill>
+          <a:schemeClr val="bg1"/>
+        </a:solidFill>
+        <a:effectLst/>
+      </p:bgPr>
+    </p:bg>
     <p:spTree>
       <p:nvGrpSpPr>
         <p:cNvPr id="1" name=""/>
@@ -4044,157 +4052,42 @@
           <a:chExt cx="0" cy="0"/>
         </a:xfrm>
       </p:grpSpPr>
-      <p:pic>
-        <p:nvPicPr>
-          <p:cNvPr id="5" name="Picture 4" descr="Table&#10;&#10;Description automatically generated">
-            <a:extLst>
-              <a:ext uri="{FF2B5EF4-FFF2-40B4-BE49-F238E27FC236}">
-                <a16:creationId xmlns:a16="http://schemas.microsoft.com/office/drawing/2014/main" id="{CE6F9B4A-052B-C440-9CC4-2EFD39C46BCD}"/>
-              </a:ext>
-            </a:extLst>
-          </p:cNvPr>
-          <p:cNvPicPr>
-            <a:picLocks noChangeAspect="1"/>
-          </p:cNvPicPr>
-          <p:nvPr/>
-        </p:nvPicPr>
-        <p:blipFill>
-          <a:blip r:embed="rId2"/>
-          <a:stretch>
-            <a:fillRect/>
-          </a:stretch>
-        </p:blipFill>
+      <p:sp>
+        <p:nvSpPr>
+          <p:cNvPr id="136" name="Rectangle 135">
+            <a:extLst>
+              <a:ext uri="{FF2B5EF4-FFF2-40B4-BE49-F238E27FC236}">
+                <a16:creationId xmlns:a16="http://schemas.microsoft.com/office/drawing/2014/main" id="{2B566528-1B12-4246-9431-5C2D7D081168}"/>
+              </a:ext>
+              <a:ext uri="{C183D7F6-B498-43B3-948B-1728B52AA6E4}">
+                <adec:decorative xmlns:adec="http://schemas.microsoft.com/office/drawing/2017/decorative" val="1"/>
+              </a:ext>
+            </a:extLst>
+          </p:cNvPr>
+          <p:cNvSpPr>
+            <a:spLocks noGrp="1" noRot="1" noChangeAspect="1" noMove="1" noResize="1" noEditPoints="1" noAdjustHandles="1" noChangeArrowheads="1" noChangeShapeType="1" noTextEdit="1"/>
+          </p:cNvSpPr>
+          <p:nvPr>
+            <p:extLst>
+              <p:ext uri="{386F3935-93C4-4BCD-93E2-E3B085C9AB24}">
+                <p16:designElem xmlns:p16="http://schemas.microsoft.com/office/powerpoint/2015/main" val="1"/>
+              </p:ext>
+            </p:extLst>
+          </p:nvPr>
+        </p:nvSpPr>
         <p:spPr>
           <a:xfrm>
-            <a:off x="2111686" y="2886635"/>
-            <a:ext cx="7968628" cy="2689412"/>
+            <a:off x="0" y="0"/>
+            <a:ext cx="12192000" cy="6858000"/>
           </a:xfrm>
           <a:prstGeom prst="rect">
             <a:avLst/>
           </a:prstGeom>
-        </p:spPr>
-      </p:pic>
-      <p:sp>
-        <p:nvSpPr>
-          <p:cNvPr id="2" name="Title 1">
-            <a:extLst>
-              <a:ext uri="{FF2B5EF4-FFF2-40B4-BE49-F238E27FC236}">
-                <a16:creationId xmlns:a16="http://schemas.microsoft.com/office/drawing/2014/main" id="{0199419A-8ECA-5044-914A-40623D6A6445}"/>
-              </a:ext>
-            </a:extLst>
-          </p:cNvPr>
-          <p:cNvSpPr>
-            <a:spLocks noGrp="1"/>
-          </p:cNvSpPr>
-          <p:nvPr>
-            <p:ph type="title"/>
-          </p:nvPr>
-        </p:nvSpPr>
-        <p:spPr/>
-        <p:txBody>
-          <a:bodyPr/>
-          <a:lstStyle/>
-          <a:p>
-            <a:r>
-              <a:rPr lang="en-US" dirty="0">
-                <a:latin typeface="Helvetica" pitchFamily="2" charset="0"/>
-              </a:rPr>
-              <a:t>Scores</a:t>
-            </a:r>
-          </a:p>
-        </p:txBody>
-      </p:sp>
-      <p:sp>
-        <p:nvSpPr>
-          <p:cNvPr id="3" name="Content Placeholder 2">
-            <a:extLst>
-              <a:ext uri="{FF2B5EF4-FFF2-40B4-BE49-F238E27FC236}">
-                <a16:creationId xmlns:a16="http://schemas.microsoft.com/office/drawing/2014/main" id="{0C9676C3-CD3B-D547-B427-D5550C386DDB}"/>
-              </a:ext>
-            </a:extLst>
-          </p:cNvPr>
-          <p:cNvSpPr>
-            <a:spLocks noGrp="1"/>
-          </p:cNvSpPr>
-          <p:nvPr>
-            <p:ph idx="1"/>
-          </p:nvPr>
-        </p:nvSpPr>
-        <p:spPr/>
-        <p:txBody>
-          <a:bodyPr>
-            <a:normAutofit/>
-          </a:bodyPr>
-          <a:lstStyle/>
-          <a:p>
-            <a:r>
-              <a:rPr lang="en-US" sz="2400" dirty="0">
-                <a:latin typeface="Helvetica" pitchFamily="2" charset="0"/>
-              </a:rPr>
-              <a:t>Evaluate using </a:t>
-            </a:r>
-            <a:r>
-              <a:rPr lang="en-US" sz="2400" dirty="0" err="1">
-                <a:latin typeface="Helvetica" pitchFamily="2" charset="0"/>
-              </a:rPr>
-              <a:t>rmse</a:t>
-            </a:r>
-            <a:r>
-              <a:rPr lang="en-US" sz="2400" dirty="0">
-                <a:latin typeface="Helvetica" pitchFamily="2" charset="0"/>
-              </a:rPr>
-              <a:t>, </a:t>
-            </a:r>
-            <a:r>
-              <a:rPr lang="en-US" sz="2400" dirty="0" err="1">
-                <a:latin typeface="Helvetica" pitchFamily="2" charset="0"/>
-              </a:rPr>
-              <a:t>mae</a:t>
-            </a:r>
-            <a:r>
-              <a:rPr lang="en-US" sz="2400" dirty="0">
-                <a:latin typeface="Helvetica" pitchFamily="2" charset="0"/>
-              </a:rPr>
-              <a:t>, and r2 score</a:t>
-            </a:r>
-          </a:p>
-          <a:p>
-            <a:endParaRPr lang="en-US" sz="2400" dirty="0">
-              <a:latin typeface="Helvetica" pitchFamily="2" charset="0"/>
-            </a:endParaRPr>
-          </a:p>
-          <a:p>
-            <a:endParaRPr lang="en-US" sz="2400" dirty="0">
-              <a:latin typeface="Helvetica" pitchFamily="2" charset="0"/>
-            </a:endParaRPr>
-          </a:p>
-        </p:txBody>
-      </p:sp>
-      <p:sp>
-        <p:nvSpPr>
-          <p:cNvPr id="6" name="Rounded Rectangle 5">
-            <a:extLst>
-              <a:ext uri="{FF2B5EF4-FFF2-40B4-BE49-F238E27FC236}">
-                <a16:creationId xmlns:a16="http://schemas.microsoft.com/office/drawing/2014/main" id="{3E7DEE7E-2889-B343-BAF0-430CE70107CA}"/>
-              </a:ext>
-            </a:extLst>
-          </p:cNvPr>
-          <p:cNvSpPr/>
-          <p:nvPr/>
-        </p:nvSpPr>
-        <p:spPr>
-          <a:xfrm>
-            <a:off x="2241178" y="4858871"/>
-            <a:ext cx="7749490" cy="573741"/>
-          </a:xfrm>
-          <a:prstGeom prst="roundRect">
-            <a:avLst/>
-          </a:prstGeom>
-          <a:noFill/>
-          <a:ln w="28575">
-            <a:solidFill>
-              <a:schemeClr val="accent1"/>
-            </a:solidFill>
+          <a:solidFill>
+            <a:schemeClr val="bg1"/>
+          </a:solidFill>
+          <a:ln>
+            <a:noFill/>
           </a:ln>
         </p:spPr>
         <p:style>
@@ -4218,7 +4111,606 @@
           <a:lstStyle/>
           <a:p>
             <a:pPr algn="ctr"/>
-            <a:endParaRPr lang="en-US"/>
+            <a:endParaRPr lang="en-US" dirty="0"/>
+          </a:p>
+        </p:txBody>
+      </p:sp>
+      <p:sp>
+        <p:nvSpPr>
+          <p:cNvPr id="2" name="Title 1">
+            <a:extLst>
+              <a:ext uri="{FF2B5EF4-FFF2-40B4-BE49-F238E27FC236}">
+                <a16:creationId xmlns:a16="http://schemas.microsoft.com/office/drawing/2014/main" id="{0199419A-8ECA-5044-914A-40623D6A6445}"/>
+              </a:ext>
+            </a:extLst>
+          </p:cNvPr>
+          <p:cNvSpPr>
+            <a:spLocks noGrp="1"/>
+          </p:cNvSpPr>
+          <p:nvPr>
+            <p:ph type="title"/>
+          </p:nvPr>
+        </p:nvSpPr>
+        <p:spPr>
+          <a:xfrm>
+            <a:off x="643467" y="321734"/>
+            <a:ext cx="10905066" cy="1135737"/>
+          </a:xfrm>
+        </p:spPr>
+        <p:txBody>
+          <a:bodyPr>
+            <a:normAutofit/>
+          </a:bodyPr>
+          <a:lstStyle/>
+          <a:p>
+            <a:r>
+              <a:rPr lang="en-US" sz="3600">
+                <a:latin typeface="Helvetica" pitchFamily="2" charset="0"/>
+              </a:rPr>
+              <a:t>Scores</a:t>
+            </a:r>
+          </a:p>
+        </p:txBody>
+      </p:sp>
+      <p:sp>
+        <p:nvSpPr>
+          <p:cNvPr id="3" name="Content Placeholder 2">
+            <a:extLst>
+              <a:ext uri="{FF2B5EF4-FFF2-40B4-BE49-F238E27FC236}">
+                <a16:creationId xmlns:a16="http://schemas.microsoft.com/office/drawing/2014/main" id="{0C9676C3-CD3B-D547-B427-D5550C386DDB}"/>
+              </a:ext>
+            </a:extLst>
+          </p:cNvPr>
+          <p:cNvSpPr>
+            <a:spLocks noGrp="1"/>
+          </p:cNvSpPr>
+          <p:nvPr>
+            <p:ph idx="1"/>
+          </p:nvPr>
+        </p:nvSpPr>
+        <p:spPr>
+          <a:xfrm>
+            <a:off x="643469" y="1782981"/>
+            <a:ext cx="4008384" cy="4393982"/>
+          </a:xfrm>
+        </p:spPr>
+        <p:txBody>
+          <a:bodyPr>
+            <a:normAutofit/>
+          </a:bodyPr>
+          <a:lstStyle/>
+          <a:p>
+            <a:r>
+              <a:rPr lang="en-US" sz="2000" dirty="0">
+                <a:latin typeface="Helvetica" pitchFamily="2" charset="0"/>
+              </a:rPr>
+              <a:t>Evaluate using </a:t>
+            </a:r>
+            <a:r>
+              <a:rPr lang="en-US" sz="2000" dirty="0" err="1">
+                <a:latin typeface="Helvetica" pitchFamily="2" charset="0"/>
+              </a:rPr>
+              <a:t>rmse</a:t>
+            </a:r>
+            <a:r>
+              <a:rPr lang="en-US" sz="2000" dirty="0">
+                <a:latin typeface="Helvetica" pitchFamily="2" charset="0"/>
+              </a:rPr>
+              <a:t>, </a:t>
+            </a:r>
+            <a:r>
+              <a:rPr lang="en-US" sz="2000" dirty="0" err="1">
+                <a:latin typeface="Helvetica" pitchFamily="2" charset="0"/>
+              </a:rPr>
+              <a:t>mae</a:t>
+            </a:r>
+            <a:r>
+              <a:rPr lang="en-US" sz="2000" dirty="0">
+                <a:latin typeface="Helvetica" pitchFamily="2" charset="0"/>
+              </a:rPr>
+              <a:t>, and r2 score</a:t>
+            </a:r>
+          </a:p>
+          <a:p>
+            <a:endParaRPr lang="en-US" sz="2000" dirty="0">
+              <a:latin typeface="Helvetica" pitchFamily="2" charset="0"/>
+            </a:endParaRPr>
+          </a:p>
+          <a:p>
+            <a:endParaRPr lang="en-US" sz="2000" dirty="0">
+              <a:latin typeface="Helvetica" pitchFamily="2" charset="0"/>
+            </a:endParaRPr>
+          </a:p>
+        </p:txBody>
+      </p:sp>
+      <p:grpSp>
+        <p:nvGrpSpPr>
+          <p:cNvPr id="138" name="Group 137">
+            <a:extLst>
+              <a:ext uri="{FF2B5EF4-FFF2-40B4-BE49-F238E27FC236}">
+                <a16:creationId xmlns:a16="http://schemas.microsoft.com/office/drawing/2014/main" id="{5995D10D-E9C9-47DB-AE7E-801FEF38F5C9}"/>
+              </a:ext>
+              <a:ext uri="{C183D7F6-B498-43B3-948B-1728B52AA6E4}">
+                <adec:decorative xmlns:adec="http://schemas.microsoft.com/office/drawing/2017/decorative" val="1"/>
+              </a:ext>
+            </a:extLst>
+          </p:cNvPr>
+          <p:cNvGrpSpPr>
+            <a:grpSpLocks noGrp="1" noUngrp="1" noRot="1" noChangeAspect="1" noMove="1" noResize="1"/>
+          </p:cNvGrpSpPr>
+          <p:nvPr>
+            <p:extLst>
+              <p:ext uri="{386F3935-93C4-4BCD-93E2-E3B085C9AB24}">
+                <p16:designElem xmlns:p16="http://schemas.microsoft.com/office/powerpoint/2015/main" val="1"/>
+              </p:ext>
+            </p:extLst>
+          </p:nvPr>
+        </p:nvGrpSpPr>
+        <p:grpSpPr>
+          <a:xfrm>
+            <a:off x="11219290" y="1"/>
+            <a:ext cx="972709" cy="1935307"/>
+            <a:chOff x="10918968" y="713127"/>
+            <a:chExt cx="1273032" cy="2532832"/>
+          </a:xfrm>
+        </p:grpSpPr>
+        <p:sp>
+          <p:nvSpPr>
+            <p:cNvPr id="1033" name="Rectangle 138">
+              <a:extLst>
+                <a:ext uri="{FF2B5EF4-FFF2-40B4-BE49-F238E27FC236}">
+                  <a16:creationId xmlns:a16="http://schemas.microsoft.com/office/drawing/2014/main" id="{CC1A72C6-3DE4-4EC3-9AD5-9E0D40D8CE8A}"/>
+                </a:ext>
+                <a:ext uri="{C183D7F6-B498-43B3-948B-1728B52AA6E4}">
+                  <adec:decorative xmlns:adec="http://schemas.microsoft.com/office/drawing/2017/decorative" val="1"/>
+                </a:ext>
+              </a:extLst>
+            </p:cNvPr>
+            <p:cNvSpPr/>
+            <p:nvPr>
+              <p:extLst>
+                <p:ext uri="{386F3935-93C4-4BCD-93E2-E3B085C9AB24}">
+                  <p16:designElem xmlns:p16="http://schemas.microsoft.com/office/powerpoint/2015/main" val="1"/>
+                </p:ext>
+              </p:extLst>
+            </p:nvPr>
+          </p:nvSpPr>
+          <p:spPr>
+            <a:xfrm rot="2700000">
+              <a:off x="11052629" y="2120024"/>
+              <a:ext cx="645368" cy="645368"/>
+            </a:xfrm>
+            <a:prstGeom prst="rect">
+              <a:avLst/>
+            </a:prstGeom>
+            <a:solidFill>
+              <a:schemeClr val="accent4">
+                <a:alpha val="30000"/>
+              </a:schemeClr>
+            </a:solidFill>
+            <a:ln>
+              <a:noFill/>
+            </a:ln>
+          </p:spPr>
+          <p:style>
+            <a:lnRef idx="2">
+              <a:schemeClr val="accent1">
+                <a:shade val="50000"/>
+              </a:schemeClr>
+            </a:lnRef>
+            <a:fillRef idx="1">
+              <a:schemeClr val="accent1"/>
+            </a:fillRef>
+            <a:effectRef idx="0">
+              <a:schemeClr val="accent1"/>
+            </a:effectRef>
+            <a:fontRef idx="minor">
+              <a:schemeClr val="lt1"/>
+            </a:fontRef>
+          </p:style>
+          <p:txBody>
+            <a:bodyPr rtlCol="0" anchor="ctr"/>
+            <a:lstStyle/>
+            <a:p>
+              <a:pPr algn="ctr"/>
+              <a:endParaRPr lang="en-US"/>
+            </a:p>
+          </p:txBody>
+        </p:sp>
+        <p:sp>
+          <p:nvSpPr>
+            <p:cNvPr id="140" name="Isosceles Triangle 139">
+              <a:extLst>
+                <a:ext uri="{FF2B5EF4-FFF2-40B4-BE49-F238E27FC236}">
+                  <a16:creationId xmlns:a16="http://schemas.microsoft.com/office/drawing/2014/main" id="{0B0DA1F1-C391-4EDF-9FE0-23E86E137765}"/>
+                </a:ext>
+                <a:ext uri="{C183D7F6-B498-43B3-948B-1728B52AA6E4}">
+                  <adec:decorative xmlns:adec="http://schemas.microsoft.com/office/drawing/2017/decorative" val="1"/>
+                </a:ext>
+              </a:extLst>
+            </p:cNvPr>
+            <p:cNvSpPr/>
+            <p:nvPr>
+              <p:extLst>
+                <p:ext uri="{386F3935-93C4-4BCD-93E2-E3B085C9AB24}">
+                  <p16:designElem xmlns:p16="http://schemas.microsoft.com/office/powerpoint/2015/main" val="1"/>
+                </p:ext>
+              </p:extLst>
+            </p:nvPr>
+          </p:nvSpPr>
+          <p:spPr>
+            <a:xfrm rot="16200000">
+              <a:off x="10289068" y="1343027"/>
+              <a:ext cx="2532832" cy="1273032"/>
+            </a:xfrm>
+            <a:prstGeom prst="triangle">
+              <a:avLst>
+                <a:gd name="adj" fmla="val 50000"/>
+              </a:avLst>
+            </a:prstGeom>
+            <a:solidFill>
+              <a:schemeClr val="accent4">
+                <a:alpha val="30000"/>
+              </a:schemeClr>
+            </a:solidFill>
+            <a:ln>
+              <a:noFill/>
+            </a:ln>
+          </p:spPr>
+          <p:style>
+            <a:lnRef idx="2">
+              <a:schemeClr val="accent1">
+                <a:shade val="50000"/>
+              </a:schemeClr>
+            </a:lnRef>
+            <a:fillRef idx="1">
+              <a:schemeClr val="accent1"/>
+            </a:fillRef>
+            <a:effectRef idx="0">
+              <a:schemeClr val="accent1"/>
+            </a:effectRef>
+            <a:fontRef idx="minor">
+              <a:schemeClr val="lt1"/>
+            </a:fontRef>
+          </p:style>
+          <p:txBody>
+            <a:bodyPr rtlCol="0" anchor="ctr"/>
+            <a:lstStyle/>
+            <a:p>
+              <a:pPr algn="ctr"/>
+              <a:endParaRPr lang="en-US" dirty="0"/>
+            </a:p>
+          </p:txBody>
+        </p:sp>
+      </p:grpSp>
+      <p:pic>
+        <p:nvPicPr>
+          <p:cNvPr id="1027" name="Picture 3" descr="Table&#10;&#10;Description automatically generated">
+            <a:extLst>
+              <a:ext uri="{FF2B5EF4-FFF2-40B4-BE49-F238E27FC236}">
+                <a16:creationId xmlns:a16="http://schemas.microsoft.com/office/drawing/2014/main" id="{67DB5CB2-6F45-8F41-BDE8-53AB5695CCC4}"/>
+              </a:ext>
+            </a:extLst>
+          </p:cNvPr>
+          <p:cNvPicPr>
+            <a:picLocks noChangeAspect="1" noChangeArrowheads="1"/>
+          </p:cNvPicPr>
+          <p:nvPr/>
+        </p:nvPicPr>
+        <p:blipFill>
+          <a:blip r:embed="rId2">
+            <a:extLst>
+              <a:ext uri="{28A0092B-C50C-407E-A947-70E740481C1C}">
+                <a14:useLocalDpi xmlns:a14="http://schemas.microsoft.com/office/drawing/2010/main" val="0"/>
+              </a:ext>
+            </a:extLst>
+          </a:blip>
+          <a:stretch>
+            <a:fillRect/>
+          </a:stretch>
+        </p:blipFill>
+        <p:spPr bwMode="auto">
+          <a:xfrm>
+            <a:off x="5354448" y="1437296"/>
+            <a:ext cx="6134952" cy="2116558"/>
+          </a:xfrm>
+          <a:prstGeom prst="rect">
+            <a:avLst/>
+          </a:prstGeom>
+          <a:noFill/>
+          <a:extLst>
+            <a:ext uri="{909E8E84-426E-40DD-AFC4-6F175D3DCCD1}">
+              <a14:hiddenFill xmlns:a14="http://schemas.microsoft.com/office/drawing/2010/main">
+                <a:solidFill>
+                  <a:srgbClr val="FFFFFF"/>
+                </a:solidFill>
+              </a14:hiddenFill>
+            </a:ext>
+          </a:extLst>
+        </p:spPr>
+      </p:pic>
+      <p:grpSp>
+        <p:nvGrpSpPr>
+          <p:cNvPr id="1034" name="Group 141">
+            <a:extLst>
+              <a:ext uri="{FF2B5EF4-FFF2-40B4-BE49-F238E27FC236}">
+                <a16:creationId xmlns:a16="http://schemas.microsoft.com/office/drawing/2014/main" id="{828A5161-06F1-46CF-8AD7-844680A59E13}"/>
+              </a:ext>
+              <a:ext uri="{C183D7F6-B498-43B3-948B-1728B52AA6E4}">
+                <adec:decorative xmlns:adec="http://schemas.microsoft.com/office/drawing/2017/decorative" val="1"/>
+              </a:ext>
+            </a:extLst>
+          </p:cNvPr>
+          <p:cNvGrpSpPr>
+            <a:grpSpLocks noGrp="1" noUngrp="1" noRot="1" noChangeAspect="1" noMove="1" noResize="1"/>
+          </p:cNvGrpSpPr>
+          <p:nvPr>
+            <p:extLst>
+              <p:ext uri="{386F3935-93C4-4BCD-93E2-E3B085C9AB24}">
+                <p16:designElem xmlns:p16="http://schemas.microsoft.com/office/powerpoint/2015/main" val="1"/>
+              </p:ext>
+            </p:extLst>
+          </p:nvPr>
+        </p:nvGrpSpPr>
+        <p:grpSpPr>
+          <a:xfrm>
+            <a:off x="0" y="4601497"/>
+            <a:ext cx="1014060" cy="2017580"/>
+            <a:chOff x="0" y="4601497"/>
+            <a:chExt cx="1014060" cy="2017580"/>
+          </a:xfrm>
+        </p:grpSpPr>
+        <p:sp>
+          <p:nvSpPr>
+            <p:cNvPr id="1035" name="Isosceles Triangle 142">
+              <a:extLst>
+                <a:ext uri="{FF2B5EF4-FFF2-40B4-BE49-F238E27FC236}">
+                  <a16:creationId xmlns:a16="http://schemas.microsoft.com/office/drawing/2014/main" id="{D3F51FEB-38FB-4F6C-9F7B-2F2AFAB65463}"/>
+                </a:ext>
+                <a:ext uri="{C183D7F6-B498-43B3-948B-1728B52AA6E4}">
+                  <adec:decorative xmlns:adec="http://schemas.microsoft.com/office/drawing/2017/decorative" val="1"/>
+                </a:ext>
+              </a:extLst>
+            </p:cNvPr>
+            <p:cNvSpPr/>
+            <p:nvPr>
+              <p:extLst>
+                <p:ext uri="{386F3935-93C4-4BCD-93E2-E3B085C9AB24}">
+                  <p16:designElem xmlns:p16="http://schemas.microsoft.com/office/powerpoint/2015/main" val="1"/>
+                </p:ext>
+              </p:extLst>
+            </p:nvPr>
+          </p:nvSpPr>
+          <p:spPr>
+            <a:xfrm rot="5400000">
+              <a:off x="-501760" y="5103257"/>
+              <a:ext cx="2017580" cy="1014060"/>
+            </a:xfrm>
+            <a:prstGeom prst="triangle">
+              <a:avLst>
+                <a:gd name="adj" fmla="val 50000"/>
+              </a:avLst>
+            </a:prstGeom>
+            <a:solidFill>
+              <a:schemeClr val="accent1">
+                <a:alpha val="30000"/>
+              </a:schemeClr>
+            </a:solidFill>
+            <a:ln>
+              <a:noFill/>
+            </a:ln>
+          </p:spPr>
+          <p:style>
+            <a:lnRef idx="2">
+              <a:schemeClr val="accent1">
+                <a:shade val="50000"/>
+              </a:schemeClr>
+            </a:lnRef>
+            <a:fillRef idx="1">
+              <a:schemeClr val="accent1"/>
+            </a:fillRef>
+            <a:effectRef idx="0">
+              <a:schemeClr val="accent1"/>
+            </a:effectRef>
+            <a:fontRef idx="minor">
+              <a:schemeClr val="lt1"/>
+            </a:fontRef>
+          </p:style>
+          <p:txBody>
+            <a:bodyPr rtlCol="0" anchor="ctr"/>
+            <a:lstStyle/>
+            <a:p>
+              <a:pPr algn="ctr"/>
+              <a:endParaRPr lang="en-US"/>
+            </a:p>
+          </p:txBody>
+        </p:sp>
+        <p:sp>
+          <p:nvSpPr>
+            <p:cNvPr id="1036" name="Rectangle 143">
+              <a:extLst>
+                <a:ext uri="{FF2B5EF4-FFF2-40B4-BE49-F238E27FC236}">
+                  <a16:creationId xmlns:a16="http://schemas.microsoft.com/office/drawing/2014/main" id="{1E547BA6-BAE0-43BB-A7CA-60F69CE252F0}"/>
+                </a:ext>
+                <a:ext uri="{C183D7F6-B498-43B3-948B-1728B52AA6E4}">
+                  <adec:decorative xmlns:adec="http://schemas.microsoft.com/office/drawing/2017/decorative" val="1"/>
+                </a:ext>
+              </a:extLst>
+            </p:cNvPr>
+            <p:cNvSpPr/>
+            <p:nvPr>
+              <p:extLst>
+                <p:ext uri="{386F3935-93C4-4BCD-93E2-E3B085C9AB24}">
+                  <p16:designElem xmlns:p16="http://schemas.microsoft.com/office/powerpoint/2015/main" val="1"/>
+                </p:ext>
+              </p:extLst>
+            </p:nvPr>
+          </p:nvSpPr>
+          <p:spPr>
+            <a:xfrm rot="2700000">
+              <a:off x="427916" y="5728708"/>
+              <a:ext cx="485578" cy="485578"/>
+            </a:xfrm>
+            <a:prstGeom prst="rect">
+              <a:avLst/>
+            </a:prstGeom>
+            <a:solidFill>
+              <a:schemeClr val="accent1">
+                <a:alpha val="30000"/>
+              </a:schemeClr>
+            </a:solidFill>
+            <a:ln>
+              <a:noFill/>
+            </a:ln>
+          </p:spPr>
+          <p:style>
+            <a:lnRef idx="2">
+              <a:schemeClr val="accent1">
+                <a:shade val="50000"/>
+              </a:schemeClr>
+            </a:lnRef>
+            <a:fillRef idx="1">
+              <a:schemeClr val="accent1"/>
+            </a:fillRef>
+            <a:effectRef idx="0">
+              <a:schemeClr val="accent1"/>
+            </a:effectRef>
+            <a:fontRef idx="minor">
+              <a:schemeClr val="lt1"/>
+            </a:fontRef>
+          </p:style>
+          <p:txBody>
+            <a:bodyPr rtlCol="0" anchor="ctr"/>
+            <a:lstStyle/>
+            <a:p>
+              <a:pPr algn="ctr"/>
+              <a:endParaRPr lang="en-US"/>
+            </a:p>
+          </p:txBody>
+        </p:sp>
+      </p:grpSp>
+      <p:pic>
+        <p:nvPicPr>
+          <p:cNvPr id="1026" name="Picture 2" descr="Table&#10;&#10;Description automatically generated">
+            <a:extLst>
+              <a:ext uri="{FF2B5EF4-FFF2-40B4-BE49-F238E27FC236}">
+                <a16:creationId xmlns:a16="http://schemas.microsoft.com/office/drawing/2014/main" id="{90C1087B-F855-5345-9877-EDBD47F6B3B9}"/>
+              </a:ext>
+            </a:extLst>
+          </p:cNvPr>
+          <p:cNvPicPr>
+            <a:picLocks noChangeAspect="1" noChangeArrowheads="1"/>
+          </p:cNvPicPr>
+          <p:nvPr/>
+        </p:nvPicPr>
+        <p:blipFill>
+          <a:blip r:embed="rId3">
+            <a:extLst>
+              <a:ext uri="{28A0092B-C50C-407E-A947-70E740481C1C}">
+                <a14:useLocalDpi xmlns:a14="http://schemas.microsoft.com/office/drawing/2010/main" val="0"/>
+              </a:ext>
+            </a:extLst>
+          </a:blip>
+          <a:stretch>
+            <a:fillRect/>
+          </a:stretch>
+        </p:blipFill>
+        <p:spPr bwMode="auto">
+          <a:xfrm>
+            <a:off x="5333826" y="4060406"/>
+            <a:ext cx="6176200" cy="2084467"/>
+          </a:xfrm>
+          <a:prstGeom prst="rect">
+            <a:avLst/>
+          </a:prstGeom>
+          <a:noFill/>
+          <a:extLst>
+            <a:ext uri="{909E8E84-426E-40DD-AFC4-6F175D3DCCD1}">
+              <a14:hiddenFill xmlns:a14="http://schemas.microsoft.com/office/drawing/2010/main">
+                <a:solidFill>
+                  <a:srgbClr val="FFFFFF"/>
+                </a:solidFill>
+              </a14:hiddenFill>
+            </a:ext>
+          </a:extLst>
+        </p:spPr>
+      </p:pic>
+      <p:sp>
+        <p:nvSpPr>
+          <p:cNvPr id="4" name="TextBox 3">
+            <a:extLst>
+              <a:ext uri="{FF2B5EF4-FFF2-40B4-BE49-F238E27FC236}">
+                <a16:creationId xmlns:a16="http://schemas.microsoft.com/office/drawing/2014/main" id="{2B80B9F6-2E12-BC42-9C18-9B575B28A4F2}"/>
+              </a:ext>
+            </a:extLst>
+          </p:cNvPr>
+          <p:cNvSpPr txBox="1"/>
+          <p:nvPr/>
+        </p:nvSpPr>
+        <p:spPr>
+          <a:xfrm>
+            <a:off x="5388720" y="1111785"/>
+            <a:ext cx="1697901" cy="369332"/>
+          </a:xfrm>
+          <a:prstGeom prst="rect">
+            <a:avLst/>
+          </a:prstGeom>
+          <a:noFill/>
+        </p:spPr>
+        <p:txBody>
+          <a:bodyPr wrap="none" rtlCol="0">
+            <a:spAutoFit/>
+          </a:bodyPr>
+          <a:lstStyle/>
+          <a:p>
+            <a:r>
+              <a:rPr lang="en-US" dirty="0"/>
+              <a:t>Homo-</a:t>
+            </a:r>
+            <a:r>
+              <a:rPr lang="en-US" dirty="0" err="1"/>
+              <a:t>lumo</a:t>
+            </a:r>
+            <a:r>
+              <a:rPr lang="en-US" dirty="0"/>
+              <a:t> gap</a:t>
+            </a:r>
+          </a:p>
+        </p:txBody>
+      </p:sp>
+      <p:sp>
+        <p:nvSpPr>
+          <p:cNvPr id="30" name="TextBox 29">
+            <a:extLst>
+              <a:ext uri="{FF2B5EF4-FFF2-40B4-BE49-F238E27FC236}">
+                <a16:creationId xmlns:a16="http://schemas.microsoft.com/office/drawing/2014/main" id="{1C5551DD-B20B-9B4E-86A5-8E26B55FFC7F}"/>
+              </a:ext>
+            </a:extLst>
+          </p:cNvPr>
+          <p:cNvSpPr txBox="1"/>
+          <p:nvPr/>
+        </p:nvSpPr>
+        <p:spPr>
+          <a:xfrm>
+            <a:off x="5388720" y="3788403"/>
+            <a:ext cx="1426994" cy="369332"/>
+          </a:xfrm>
+          <a:prstGeom prst="rect">
+            <a:avLst/>
+          </a:prstGeom>
+          <a:noFill/>
+        </p:spPr>
+        <p:txBody>
+          <a:bodyPr wrap="none" rtlCol="0">
+            <a:spAutoFit/>
+          </a:bodyPr>
+          <a:lstStyle/>
+          <a:p>
+            <a:r>
+              <a:rPr lang="en-US" dirty="0" err="1"/>
+              <a:t>AtomizationE</a:t>
+            </a:r>
+            <a:endParaRPr lang="en-US" dirty="0"/>
           </a:p>
         </p:txBody>
       </p:sp>
